--- a/Slides/Lecture 4.pptx
+++ b/Slides/Lecture 4.pptx
@@ -251,7 +251,7 @@
           <a:p>
             <a:fld id="{1CB48AD5-CDAE-4B7B-B49D-6DB81FF5A179}" type="datetimeFigureOut">
               <a:rPr lang="en-US" smtClean="0"/>
-              <a:t>8/25/2021</a:t>
+              <a:t>8/26/2021</a:t>
             </a:fld>
             <a:endParaRPr lang="en-US"/>
           </a:p>
@@ -665,7 +665,7 @@
           <a:p>
             <a:fld id="{C4959B56-7D6D-462F-B061-93C9E323EE8A}" type="datetimeFigureOut">
               <a:rPr lang="en-US" smtClean="0"/>
-              <a:t>8/25/2021</a:t>
+              <a:t>8/26/2021</a:t>
             </a:fld>
             <a:endParaRPr lang="en-US"/>
           </a:p>
@@ -863,7 +863,7 @@
           <a:p>
             <a:fld id="{C4959B56-7D6D-462F-B061-93C9E323EE8A}" type="datetimeFigureOut">
               <a:rPr lang="en-US" smtClean="0"/>
-              <a:t>8/25/2021</a:t>
+              <a:t>8/26/2021</a:t>
             </a:fld>
             <a:endParaRPr lang="en-US"/>
           </a:p>
@@ -1071,7 +1071,7 @@
           <a:p>
             <a:fld id="{C4959B56-7D6D-462F-B061-93C9E323EE8A}" type="datetimeFigureOut">
               <a:rPr lang="en-US" smtClean="0"/>
-              <a:t>8/25/2021</a:t>
+              <a:t>8/26/2021</a:t>
             </a:fld>
             <a:endParaRPr lang="en-US"/>
           </a:p>
@@ -1269,7 +1269,7 @@
           <a:p>
             <a:fld id="{C4959B56-7D6D-462F-B061-93C9E323EE8A}" type="datetimeFigureOut">
               <a:rPr lang="en-US" smtClean="0"/>
-              <a:t>8/25/2021</a:t>
+              <a:t>8/26/2021</a:t>
             </a:fld>
             <a:endParaRPr lang="en-US"/>
           </a:p>
@@ -1544,7 +1544,7 @@
           <a:p>
             <a:fld id="{C4959B56-7D6D-462F-B061-93C9E323EE8A}" type="datetimeFigureOut">
               <a:rPr lang="en-US" smtClean="0"/>
-              <a:t>8/25/2021</a:t>
+              <a:t>8/26/2021</a:t>
             </a:fld>
             <a:endParaRPr lang="en-US"/>
           </a:p>
@@ -1809,7 +1809,7 @@
           <a:p>
             <a:fld id="{C4959B56-7D6D-462F-B061-93C9E323EE8A}" type="datetimeFigureOut">
               <a:rPr lang="en-US" smtClean="0"/>
-              <a:t>8/25/2021</a:t>
+              <a:t>8/26/2021</a:t>
             </a:fld>
             <a:endParaRPr lang="en-US"/>
           </a:p>
@@ -2221,7 +2221,7 @@
           <a:p>
             <a:fld id="{C4959B56-7D6D-462F-B061-93C9E323EE8A}" type="datetimeFigureOut">
               <a:rPr lang="en-US" smtClean="0"/>
-              <a:t>8/25/2021</a:t>
+              <a:t>8/26/2021</a:t>
             </a:fld>
             <a:endParaRPr lang="en-US"/>
           </a:p>
@@ -2362,7 +2362,7 @@
           <a:p>
             <a:fld id="{C4959B56-7D6D-462F-B061-93C9E323EE8A}" type="datetimeFigureOut">
               <a:rPr lang="en-US" smtClean="0"/>
-              <a:t>8/25/2021</a:t>
+              <a:t>8/26/2021</a:t>
             </a:fld>
             <a:endParaRPr lang="en-US"/>
           </a:p>
@@ -2475,7 +2475,7 @@
           <a:p>
             <a:fld id="{C4959B56-7D6D-462F-B061-93C9E323EE8A}" type="datetimeFigureOut">
               <a:rPr lang="en-US" smtClean="0"/>
-              <a:t>8/25/2021</a:t>
+              <a:t>8/26/2021</a:t>
             </a:fld>
             <a:endParaRPr lang="en-US"/>
           </a:p>
@@ -2786,7 +2786,7 @@
           <a:p>
             <a:fld id="{C4959B56-7D6D-462F-B061-93C9E323EE8A}" type="datetimeFigureOut">
               <a:rPr lang="en-US" smtClean="0"/>
-              <a:t>8/25/2021</a:t>
+              <a:t>8/26/2021</a:t>
             </a:fld>
             <a:endParaRPr lang="en-US"/>
           </a:p>
@@ -3074,7 +3074,7 @@
           <a:p>
             <a:fld id="{C4959B56-7D6D-462F-B061-93C9E323EE8A}" type="datetimeFigureOut">
               <a:rPr lang="en-US" smtClean="0"/>
-              <a:t>8/25/2021</a:t>
+              <a:t>8/26/2021</a:t>
             </a:fld>
             <a:endParaRPr lang="en-US"/>
           </a:p>
@@ -3315,7 +3315,7 @@
           <a:p>
             <a:fld id="{C4959B56-7D6D-462F-B061-93C9E323EE8A}" type="datetimeFigureOut">
               <a:rPr lang="en-US" smtClean="0"/>
-              <a:t>8/25/2021</a:t>
+              <a:t>8/26/2021</a:t>
             </a:fld>
             <a:endParaRPr lang="en-US"/>
           </a:p>
@@ -5663,7 +5663,23 @@
                   <a:schemeClr val="accent1"/>
                 </a:solidFill>
               </a:rPr>
-              <a:t>The worst-case running time for insert is </a:t>
+              <a:t>The worst-case running time for </a:t>
+            </a:r>
+            <a:r>
+              <a:rPr lang="en-US" dirty="0">
+                <a:solidFill>
+                  <a:schemeClr val="accent1"/>
+                </a:solidFill>
+              </a:rPr>
+              <a:t>search</a:t>
+            </a:r>
+            <a:r>
+              <a:rPr lang="en-US" sz="2800" dirty="0">
+                <a:solidFill>
+                  <a:schemeClr val="accent1"/>
+                </a:solidFill>
+              </a:rPr>
+              <a:t> is </a:t>
             </a:r>
             <a:r>
               <a:rPr lang="en-US" sz="2800" b="1" i="1" dirty="0">
@@ -8880,8 +8896,8 @@
           </a:p>
         </p:txBody>
       </p:sp>
-      <mc:AlternateContent xmlns:mc="http://schemas.openxmlformats.org/markup-compatibility/2006">
-        <mc:Choice xmlns:a14="http://schemas.microsoft.com/office/drawing/2010/main" Requires="a14">
+      <mc:AlternateContent xmlns:mc="http://schemas.openxmlformats.org/markup-compatibility/2006" xmlns:a14="http://schemas.microsoft.com/office/drawing/2010/main">
+        <mc:Choice Requires="a14">
           <p:sp>
             <p:nvSpPr>
               <p:cNvPr id="3" name="Content Placeholder 2">
@@ -9252,7 +9268,7 @@
             </p:txBody>
           </p:sp>
         </mc:Choice>
-        <mc:Fallback>
+        <mc:Fallback xmlns="">
           <p:sp>
             <p:nvSpPr>
               <p:cNvPr id="3" name="Content Placeholder 2">
@@ -12745,8 +12761,8 @@
           </a:p>
         </p:txBody>
       </p:sp>
-      <mc:AlternateContent xmlns:mc="http://schemas.openxmlformats.org/markup-compatibility/2006">
-        <mc:Choice xmlns:a14="http://schemas.microsoft.com/office/drawing/2010/main" Requires="a14">
+      <mc:AlternateContent xmlns:mc="http://schemas.openxmlformats.org/markup-compatibility/2006" xmlns:a14="http://schemas.microsoft.com/office/drawing/2010/main">
+        <mc:Choice Requires="a14">
           <p:sp>
             <p:nvSpPr>
               <p:cNvPr id="3" name="Content Placeholder 2">
@@ -14003,7 +14019,7 @@
             </p:txBody>
           </p:sp>
         </mc:Choice>
-        <mc:Fallback>
+        <mc:Fallback xmlns="">
           <p:sp>
             <p:nvSpPr>
               <p:cNvPr id="3" name="Content Placeholder 2">

--- a/Slides/Lecture 4.pptx
+++ b/Slides/Lecture 4.pptx
@@ -251,7 +251,7 @@
           <a:p>
             <a:fld id="{1CB48AD5-CDAE-4B7B-B49D-6DB81FF5A179}" type="datetimeFigureOut">
               <a:rPr lang="en-US" smtClean="0"/>
-              <a:t>8/26/2021</a:t>
+              <a:t>10/8/2021</a:t>
             </a:fld>
             <a:endParaRPr lang="en-US"/>
           </a:p>
@@ -665,7 +665,7 @@
           <a:p>
             <a:fld id="{C4959B56-7D6D-462F-B061-93C9E323EE8A}" type="datetimeFigureOut">
               <a:rPr lang="en-US" smtClean="0"/>
-              <a:t>8/26/2021</a:t>
+              <a:t>10/8/2021</a:t>
             </a:fld>
             <a:endParaRPr lang="en-US"/>
           </a:p>
@@ -863,7 +863,7 @@
           <a:p>
             <a:fld id="{C4959B56-7D6D-462F-B061-93C9E323EE8A}" type="datetimeFigureOut">
               <a:rPr lang="en-US" smtClean="0"/>
-              <a:t>8/26/2021</a:t>
+              <a:t>10/8/2021</a:t>
             </a:fld>
             <a:endParaRPr lang="en-US"/>
           </a:p>
@@ -1071,7 +1071,7 @@
           <a:p>
             <a:fld id="{C4959B56-7D6D-462F-B061-93C9E323EE8A}" type="datetimeFigureOut">
               <a:rPr lang="en-US" smtClean="0"/>
-              <a:t>8/26/2021</a:t>
+              <a:t>10/8/2021</a:t>
             </a:fld>
             <a:endParaRPr lang="en-US"/>
           </a:p>
@@ -1269,7 +1269,7 @@
           <a:p>
             <a:fld id="{C4959B56-7D6D-462F-B061-93C9E323EE8A}" type="datetimeFigureOut">
               <a:rPr lang="en-US" smtClean="0"/>
-              <a:t>8/26/2021</a:t>
+              <a:t>10/8/2021</a:t>
             </a:fld>
             <a:endParaRPr lang="en-US"/>
           </a:p>
@@ -1544,7 +1544,7 @@
           <a:p>
             <a:fld id="{C4959B56-7D6D-462F-B061-93C9E323EE8A}" type="datetimeFigureOut">
               <a:rPr lang="en-US" smtClean="0"/>
-              <a:t>8/26/2021</a:t>
+              <a:t>10/8/2021</a:t>
             </a:fld>
             <a:endParaRPr lang="en-US"/>
           </a:p>
@@ -1809,7 +1809,7 @@
           <a:p>
             <a:fld id="{C4959B56-7D6D-462F-B061-93C9E323EE8A}" type="datetimeFigureOut">
               <a:rPr lang="en-US" smtClean="0"/>
-              <a:t>8/26/2021</a:t>
+              <a:t>10/8/2021</a:t>
             </a:fld>
             <a:endParaRPr lang="en-US"/>
           </a:p>
@@ -2221,7 +2221,7 @@
           <a:p>
             <a:fld id="{C4959B56-7D6D-462F-B061-93C9E323EE8A}" type="datetimeFigureOut">
               <a:rPr lang="en-US" smtClean="0"/>
-              <a:t>8/26/2021</a:t>
+              <a:t>10/8/2021</a:t>
             </a:fld>
             <a:endParaRPr lang="en-US"/>
           </a:p>
@@ -2362,7 +2362,7 @@
           <a:p>
             <a:fld id="{C4959B56-7D6D-462F-B061-93C9E323EE8A}" type="datetimeFigureOut">
               <a:rPr lang="en-US" smtClean="0"/>
-              <a:t>8/26/2021</a:t>
+              <a:t>10/8/2021</a:t>
             </a:fld>
             <a:endParaRPr lang="en-US"/>
           </a:p>
@@ -2475,7 +2475,7 @@
           <a:p>
             <a:fld id="{C4959B56-7D6D-462F-B061-93C9E323EE8A}" type="datetimeFigureOut">
               <a:rPr lang="en-US" smtClean="0"/>
-              <a:t>8/26/2021</a:t>
+              <a:t>10/8/2021</a:t>
             </a:fld>
             <a:endParaRPr lang="en-US"/>
           </a:p>
@@ -2786,7 +2786,7 @@
           <a:p>
             <a:fld id="{C4959B56-7D6D-462F-B061-93C9E323EE8A}" type="datetimeFigureOut">
               <a:rPr lang="en-US" smtClean="0"/>
-              <a:t>8/26/2021</a:t>
+              <a:t>10/8/2021</a:t>
             </a:fld>
             <a:endParaRPr lang="en-US"/>
           </a:p>
@@ -3074,7 +3074,7 @@
           <a:p>
             <a:fld id="{C4959B56-7D6D-462F-B061-93C9E323EE8A}" type="datetimeFigureOut">
               <a:rPr lang="en-US" smtClean="0"/>
-              <a:t>8/26/2021</a:t>
+              <a:t>10/8/2021</a:t>
             </a:fld>
             <a:endParaRPr lang="en-US"/>
           </a:p>
@@ -3315,7 +3315,7 @@
           <a:p>
             <a:fld id="{C4959B56-7D6D-462F-B061-93C9E323EE8A}" type="datetimeFigureOut">
               <a:rPr lang="en-US" smtClean="0"/>
-              <a:t>8/26/2021</a:t>
+              <a:t>10/8/2021</a:t>
             </a:fld>
             <a:endParaRPr lang="en-US"/>
           </a:p>
@@ -3826,7 +3826,7 @@
                   <a:schemeClr val="accent1"/>
                 </a:solidFill>
               </a:rPr>
-              <a:t>Software Systems Engineering</a:t>
+              <a:t>Electrical and Computer Engineering (ECE)</a:t>
             </a:r>
           </a:p>
           <a:p>
